--- a/power_point/exemple_graphs.pptx
+++ b/power_point/exemple_graphs.pptx
@@ -116,7 +116,7 @@
 <file path=ppt/revisionInfo.xml><?xml version="1.0" encoding="utf-8"?>
 <p1510:revInfo xmlns:a="http://schemas.openxmlformats.org/drawingml/2006/main" xmlns:r="http://schemas.openxmlformats.org/officeDocument/2006/relationships" xmlns:p1510="http://schemas.microsoft.com/office/powerpoint/2015/10/main">
   <p1510:revLst>
-    <p1510:client id="{D547979F-A2F7-BA4B-BD21-638991B9010E}" v="12" dt="2025-12-03T12:38:59.520"/>
+    <p1510:client id="{D547979F-A2F7-BA4B-BD21-638991B9010E}" v="13" dt="2025-12-03T13:12:21.481"/>
   </p1510:revLst>
 </p1510:revInfo>
 </file>
@@ -126,12 +126,12 @@
   <pc:docChgLst>
     <pc:chgData name="SCHWARTZ Theo (SNCF VOYAGEURS / DIRECTION DE L'INGENIERIE DU MATERIEL / MDI DATA OFFICE)" userId="050750ed-7566-46b2-a95a-b77c9c89c977" providerId="ADAL" clId="{D547979F-A2F7-BA4B-BD21-638991B9010E}"/>
     <pc:docChg chg="custSel addSld modSld">
-      <pc:chgData name="SCHWARTZ Theo (SNCF VOYAGEURS / DIRECTION DE L'INGENIERIE DU MATERIEL / MDI DATA OFFICE)" userId="050750ed-7566-46b2-a95a-b77c9c89c977" providerId="ADAL" clId="{D547979F-A2F7-BA4B-BD21-638991B9010E}" dt="2025-12-03T12:39:56.265" v="28" actId="14100"/>
+      <pc:chgData name="SCHWARTZ Theo (SNCF VOYAGEURS / DIRECTION DE L'INGENIERIE DU MATERIEL / MDI DATA OFFICE)" userId="050750ed-7566-46b2-a95a-b77c9c89c977" providerId="ADAL" clId="{D547979F-A2F7-BA4B-BD21-638991B9010E}" dt="2025-12-03T13:12:23.264" v="33" actId="962"/>
       <pc:docMkLst>
         <pc:docMk/>
       </pc:docMkLst>
       <pc:sldChg chg="addSp delSp modSp new mod">
-        <pc:chgData name="SCHWARTZ Theo (SNCF VOYAGEURS / DIRECTION DE L'INGENIERIE DU MATERIEL / MDI DATA OFFICE)" userId="050750ed-7566-46b2-a95a-b77c9c89c977" providerId="ADAL" clId="{D547979F-A2F7-BA4B-BD21-638991B9010E}" dt="2025-12-03T12:39:56.265" v="28" actId="14100"/>
+        <pc:chgData name="SCHWARTZ Theo (SNCF VOYAGEURS / DIRECTION DE L'INGENIERIE DU MATERIEL / MDI DATA OFFICE)" userId="050750ed-7566-46b2-a95a-b77c9c89c977" providerId="ADAL" clId="{D547979F-A2F7-BA4B-BD21-638991B9010E}" dt="2025-12-03T13:12:23.264" v="33" actId="962"/>
         <pc:sldMkLst>
           <pc:docMk/>
           <pc:sldMk cId="2081863973" sldId="257"/>
@@ -152,30 +152,38 @@
             <ac:spMk id="3" creationId="{CB8658BA-E788-7C68-7A68-AE726D5BE860}"/>
           </ac:spMkLst>
         </pc:spChg>
-        <pc:spChg chg="add mod">
-          <ac:chgData name="SCHWARTZ Theo (SNCF VOYAGEURS / DIRECTION DE L'INGENIERIE DU MATERIEL / MDI DATA OFFICE)" userId="050750ed-7566-46b2-a95a-b77c9c89c977" providerId="ADAL" clId="{D547979F-A2F7-BA4B-BD21-638991B9010E}" dt="2025-12-03T12:37:33.274" v="7" actId="1076"/>
+        <pc:spChg chg="add del mod">
+          <ac:chgData name="SCHWARTZ Theo (SNCF VOYAGEURS / DIRECTION DE L'INGENIERIE DU MATERIEL / MDI DATA OFFICE)" userId="050750ed-7566-46b2-a95a-b77c9c89c977" providerId="ADAL" clId="{D547979F-A2F7-BA4B-BD21-638991B9010E}" dt="2025-12-03T13:12:10.233" v="30" actId="478"/>
           <ac:spMkLst>
             <pc:docMk/>
             <pc:sldMk cId="2081863973" sldId="257"/>
             <ac:spMk id="4" creationId="{089A9E79-F04E-B79E-FF85-F9BA5FEABB56}"/>
           </ac:spMkLst>
         </pc:spChg>
-        <pc:spChg chg="add mod">
-          <ac:chgData name="SCHWARTZ Theo (SNCF VOYAGEURS / DIRECTION DE L'INGENIERIE DU MATERIEL / MDI DATA OFFICE)" userId="050750ed-7566-46b2-a95a-b77c9c89c977" providerId="ADAL" clId="{D547979F-A2F7-BA4B-BD21-638991B9010E}" dt="2025-12-03T12:39:52.987" v="27" actId="14100"/>
+        <pc:spChg chg="add del mod">
+          <ac:chgData name="SCHWARTZ Theo (SNCF VOYAGEURS / DIRECTION DE L'INGENIERIE DU MATERIEL / MDI DATA OFFICE)" userId="050750ed-7566-46b2-a95a-b77c9c89c977" providerId="ADAL" clId="{D547979F-A2F7-BA4B-BD21-638991B9010E}" dt="2025-12-03T13:12:10.233" v="30" actId="478"/>
           <ac:spMkLst>
             <pc:docMk/>
             <pc:sldMk cId="2081863973" sldId="257"/>
             <ac:spMk id="5" creationId="{9B9AFC9F-F6B2-7F2B-603D-34C67DB29ECD}"/>
           </ac:spMkLst>
         </pc:spChg>
-        <pc:spChg chg="add mod">
-          <ac:chgData name="SCHWARTZ Theo (SNCF VOYAGEURS / DIRECTION DE L'INGENIERIE DU MATERIEL / MDI DATA OFFICE)" userId="050750ed-7566-46b2-a95a-b77c9c89c977" providerId="ADAL" clId="{D547979F-A2F7-BA4B-BD21-638991B9010E}" dt="2025-12-03T12:39:56.265" v="28" actId="14100"/>
+        <pc:spChg chg="add del mod">
+          <ac:chgData name="SCHWARTZ Theo (SNCF VOYAGEURS / DIRECTION DE L'INGENIERIE DU MATERIEL / MDI DATA OFFICE)" userId="050750ed-7566-46b2-a95a-b77c9c89c977" providerId="ADAL" clId="{D547979F-A2F7-BA4B-BD21-638991B9010E}" dt="2025-12-03T13:12:10.233" v="30" actId="478"/>
           <ac:spMkLst>
             <pc:docMk/>
             <pc:sldMk cId="2081863973" sldId="257"/>
             <ac:spMk id="6" creationId="{1D217737-19E8-42C2-8EC3-6DA7F3999A85}"/>
           </ac:spMkLst>
         </pc:spChg>
+        <pc:picChg chg="add mod">
+          <ac:chgData name="SCHWARTZ Theo (SNCF VOYAGEURS / DIRECTION DE L'INGENIERIE DU MATERIEL / MDI DATA OFFICE)" userId="050750ed-7566-46b2-a95a-b77c9c89c977" providerId="ADAL" clId="{D547979F-A2F7-BA4B-BD21-638991B9010E}" dt="2025-12-03T13:12:23.264" v="33" actId="962"/>
+          <ac:picMkLst>
+            <pc:docMk/>
+            <pc:sldMk cId="2081863973" sldId="257"/>
+            <ac:picMk id="3" creationId="{3F7D8E95-A5A4-6B1D-99DC-D0A8C77D390E}"/>
+          </ac:picMkLst>
+        </pc:picChg>
       </pc:sldChg>
     </pc:docChg>
   </pc:docChgLst>
@@ -3614,249 +3622,36 @@
           <a:chExt cx="0" cy="0"/>
         </a:xfrm>
       </p:grpSpPr>
-      <p:sp>
-        <p:nvSpPr>
-          <p:cNvPr id="4" name="Ellipse 3">
-            <a:extLst>
-              <a:ext uri="{FF2B5EF4-FFF2-40B4-BE49-F238E27FC236}">
-                <a16:creationId xmlns:a16="http://schemas.microsoft.com/office/drawing/2014/main" id="{089A9E79-F04E-B79E-FF85-F9BA5FEABB56}"/>
-              </a:ext>
-            </a:extLst>
-          </p:cNvPr>
-          <p:cNvSpPr/>
+      <p:pic>
+        <p:nvPicPr>
+          <p:cNvPr id="3" name="Image 2" descr="Une image contenant texte, carte, capture d’écran, diagramme&#10;&#10;Le contenu généré par l’IA peut être incorrect.">
+            <a:extLst>
+              <a:ext uri="{FF2B5EF4-FFF2-40B4-BE49-F238E27FC236}">
+                <a16:creationId xmlns:a16="http://schemas.microsoft.com/office/drawing/2014/main" id="{3F7D8E95-A5A4-6B1D-99DC-D0A8C77D390E}"/>
+              </a:ext>
+            </a:extLst>
+          </p:cNvPr>
+          <p:cNvPicPr>
+            <a:picLocks noChangeAspect="1"/>
+          </p:cNvPicPr>
           <p:nvPr/>
-        </p:nvSpPr>
+        </p:nvPicPr>
+        <p:blipFill>
+          <a:blip r:embed="rId2"/>
+          <a:stretch>
+            <a:fillRect/>
+          </a:stretch>
+        </p:blipFill>
         <p:spPr>
           <a:xfrm>
-            <a:off x="4887310" y="388883"/>
-            <a:ext cx="5770179" cy="5644055"/>
+            <a:off x="3390900" y="1320800"/>
+            <a:ext cx="5410200" cy="4216400"/>
           </a:xfrm>
-          <a:prstGeom prst="ellipse">
+          <a:prstGeom prst="rect">
             <a:avLst/>
           </a:prstGeom>
         </p:spPr>
-        <p:style>
-          <a:lnRef idx="2">
-            <a:schemeClr val="accent1">
-              <a:shade val="15000"/>
-            </a:schemeClr>
-          </a:lnRef>
-          <a:fillRef idx="1">
-            <a:schemeClr val="accent1"/>
-          </a:fillRef>
-          <a:effectRef idx="0">
-            <a:schemeClr val="accent1"/>
-          </a:effectRef>
-          <a:fontRef idx="minor">
-            <a:schemeClr val="lt1"/>
-          </a:fontRef>
-        </p:style>
-        <p:txBody>
-          <a:bodyPr rtlCol="0" anchor="ctr"/>
-          <a:lstStyle/>
-          <a:p>
-            <a:pPr algn="ctr"/>
-            <a:endParaRPr lang="fr-FR"/>
-          </a:p>
-        </p:txBody>
-      </p:sp>
-      <p:sp>
-        <p:nvSpPr>
-          <p:cNvPr id="5" name="Ellipse 4">
-            <a:extLst>
-              <a:ext uri="{FF2B5EF4-FFF2-40B4-BE49-F238E27FC236}">
-                <a16:creationId xmlns:a16="http://schemas.microsoft.com/office/drawing/2014/main" id="{9B9AFC9F-F6B2-7F2B-603D-34C67DB29ECD}"/>
-              </a:ext>
-            </a:extLst>
-          </p:cNvPr>
-          <p:cNvSpPr/>
-          <p:nvPr/>
-        </p:nvSpPr>
-        <p:spPr>
-          <a:xfrm>
-            <a:off x="4120054" y="620111"/>
-            <a:ext cx="2911367" cy="2522482"/>
-          </a:xfrm>
-          <a:prstGeom prst="ellipse">
-            <a:avLst/>
-          </a:prstGeom>
-          <a:solidFill>
-            <a:srgbClr val="FFC000"/>
-          </a:solidFill>
-        </p:spPr>
-        <p:style>
-          <a:lnRef idx="2">
-            <a:schemeClr val="accent1">
-              <a:shade val="15000"/>
-            </a:schemeClr>
-          </a:lnRef>
-          <a:fillRef idx="1">
-            <a:schemeClr val="accent1"/>
-          </a:fillRef>
-          <a:effectRef idx="0">
-            <a:schemeClr val="accent1"/>
-          </a:effectRef>
-          <a:fontRef idx="minor">
-            <a:schemeClr val="lt1"/>
-          </a:fontRef>
-        </p:style>
-        <p:txBody>
-          <a:bodyPr rtlCol="0" anchor="ctr"/>
-          <a:lstStyle/>
-          <a:p>
-            <a:pPr algn="ctr"/>
-            <a:endParaRPr lang="fr-FR"/>
-          </a:p>
-        </p:txBody>
-      </p:sp>
-      <p:sp>
-        <p:nvSpPr>
-          <p:cNvPr id="6" name="Ellipse 5">
-            <a:extLst>
-              <a:ext uri="{FF2B5EF4-FFF2-40B4-BE49-F238E27FC236}">
-                <a16:creationId xmlns:a16="http://schemas.microsoft.com/office/drawing/2014/main" id="{1D217737-19E8-42C2-8EC3-6DA7F3999A85}"/>
-              </a:ext>
-            </a:extLst>
-          </p:cNvPr>
-          <p:cNvSpPr/>
-          <p:nvPr/>
-        </p:nvSpPr>
-        <p:spPr>
-          <a:xfrm>
-            <a:off x="4949355" y="679386"/>
-            <a:ext cx="2082066" cy="2463208"/>
-          </a:xfrm>
-          <a:custGeom>
-            <a:avLst/>
-            <a:gdLst>
-              <a:gd name="connsiteX0" fmla="*/ 0 w 3652345"/>
-              <a:gd name="connsiteY0" fmla="*/ 1677714 h 3355428"/>
-              <a:gd name="connsiteX1" fmla="*/ 1826173 w 3652345"/>
-              <a:gd name="connsiteY1" fmla="*/ 0 h 3355428"/>
-              <a:gd name="connsiteX2" fmla="*/ 3652346 w 3652345"/>
-              <a:gd name="connsiteY2" fmla="*/ 1677714 h 3355428"/>
-              <a:gd name="connsiteX3" fmla="*/ 1826173 w 3652345"/>
-              <a:gd name="connsiteY3" fmla="*/ 3355428 h 3355428"/>
-              <a:gd name="connsiteX4" fmla="*/ 0 w 3652345"/>
-              <a:gd name="connsiteY4" fmla="*/ 1677714 h 3355428"/>
-              <a:gd name="connsiteX0" fmla="*/ 0 w 3105808"/>
-              <a:gd name="connsiteY0" fmla="*/ 2166599 h 3372073"/>
-              <a:gd name="connsiteX1" fmla="*/ 1279635 w 3105808"/>
-              <a:gd name="connsiteY1" fmla="*/ 5410 h 3372073"/>
-              <a:gd name="connsiteX2" fmla="*/ 3105808 w 3105808"/>
-              <a:gd name="connsiteY2" fmla="*/ 1683124 h 3372073"/>
-              <a:gd name="connsiteX3" fmla="*/ 1279635 w 3105808"/>
-              <a:gd name="connsiteY3" fmla="*/ 3360838 h 3372073"/>
-              <a:gd name="connsiteX4" fmla="*/ 0 w 3105808"/>
-              <a:gd name="connsiteY4" fmla="*/ 2166599 h 3372073"/>
-              <a:gd name="connsiteX0" fmla="*/ 5601 w 3111409"/>
-              <a:gd name="connsiteY0" fmla="*/ 2072629 h 3272993"/>
-              <a:gd name="connsiteX1" fmla="*/ 1779222 w 3111409"/>
-              <a:gd name="connsiteY1" fmla="*/ 6033 h 3272993"/>
-              <a:gd name="connsiteX2" fmla="*/ 3111409 w 3111409"/>
-              <a:gd name="connsiteY2" fmla="*/ 1589154 h 3272993"/>
-              <a:gd name="connsiteX3" fmla="*/ 1285236 w 3111409"/>
-              <a:gd name="connsiteY3" fmla="*/ 3266868 h 3272993"/>
-              <a:gd name="connsiteX4" fmla="*/ 5601 w 3111409"/>
-              <a:gd name="connsiteY4" fmla="*/ 2072629 h 3272993"/>
-              <a:gd name="connsiteX0" fmla="*/ 7456 w 2839995"/>
-              <a:gd name="connsiteY0" fmla="*/ 2963764 h 3432870"/>
-              <a:gd name="connsiteX1" fmla="*/ 1507808 w 2839995"/>
-              <a:gd name="connsiteY1" fmla="*/ 35319 h 3432870"/>
-              <a:gd name="connsiteX2" fmla="*/ 2839995 w 2839995"/>
-              <a:gd name="connsiteY2" fmla="*/ 1618440 h 3432870"/>
-              <a:gd name="connsiteX3" fmla="*/ 1013822 w 2839995"/>
-              <a:gd name="connsiteY3" fmla="*/ 3296154 h 3432870"/>
-              <a:gd name="connsiteX4" fmla="*/ 7456 w 2839995"/>
-              <a:gd name="connsiteY4" fmla="*/ 2963764 h 3432870"/>
-              <a:gd name="connsiteX0" fmla="*/ 1017 w 2833556"/>
-              <a:gd name="connsiteY0" fmla="*/ 2963764 h 3348567"/>
-              <a:gd name="connsiteX1" fmla="*/ 1501369 w 2833556"/>
-              <a:gd name="connsiteY1" fmla="*/ 35319 h 3348567"/>
-              <a:gd name="connsiteX2" fmla="*/ 2833556 w 2833556"/>
-              <a:gd name="connsiteY2" fmla="*/ 1618440 h 3348567"/>
-              <a:gd name="connsiteX3" fmla="*/ 1732596 w 2833556"/>
-              <a:gd name="connsiteY3" fmla="*/ 3170030 h 3348567"/>
-              <a:gd name="connsiteX4" fmla="*/ 1017 w 2833556"/>
-              <a:gd name="connsiteY4" fmla="*/ 2963764 h 3348567"/>
-            </a:gdLst>
-            <a:ahLst/>
-            <a:cxnLst>
-              <a:cxn ang="0">
-                <a:pos x="connsiteX0" y="connsiteY0"/>
-              </a:cxn>
-              <a:cxn ang="0">
-                <a:pos x="connsiteX1" y="connsiteY1"/>
-              </a:cxn>
-              <a:cxn ang="0">
-                <a:pos x="connsiteX2" y="connsiteY2"/>
-              </a:cxn>
-              <a:cxn ang="0">
-                <a:pos x="connsiteX3" y="connsiteY3"/>
-              </a:cxn>
-              <a:cxn ang="0">
-                <a:pos x="connsiteX4" y="connsiteY4"/>
-              </a:cxn>
-            </a:cxnLst>
-            <a:rect l="l" t="t" r="r" b="b"/>
-            <a:pathLst>
-              <a:path w="2833556" h="3348567">
-                <a:moveTo>
-                  <a:pt x="1017" y="2963764"/>
-                </a:moveTo>
-                <a:cubicBezTo>
-                  <a:pt x="-37521" y="2441312"/>
-                  <a:pt x="1029279" y="259540"/>
-                  <a:pt x="1501369" y="35319"/>
-                </a:cubicBezTo>
-                <a:cubicBezTo>
-                  <a:pt x="1973459" y="-188902"/>
-                  <a:pt x="2833556" y="691864"/>
-                  <a:pt x="2833556" y="1618440"/>
-                </a:cubicBezTo>
-                <a:cubicBezTo>
-                  <a:pt x="2833556" y="2545016"/>
-                  <a:pt x="2204686" y="2945809"/>
-                  <a:pt x="1732596" y="3170030"/>
-                </a:cubicBezTo>
-                <a:cubicBezTo>
-                  <a:pt x="1260506" y="3394251"/>
-                  <a:pt x="39555" y="3486216"/>
-                  <a:pt x="1017" y="2963764"/>
-                </a:cubicBezTo>
-                <a:close/>
-              </a:path>
-            </a:pathLst>
-          </a:custGeom>
-          <a:solidFill>
-            <a:srgbClr val="C00000"/>
-          </a:solidFill>
-        </p:spPr>
-        <p:style>
-          <a:lnRef idx="2">
-            <a:schemeClr val="accent1">
-              <a:shade val="15000"/>
-            </a:schemeClr>
-          </a:lnRef>
-          <a:fillRef idx="1">
-            <a:schemeClr val="accent1"/>
-          </a:fillRef>
-          <a:effectRef idx="0">
-            <a:schemeClr val="accent1"/>
-          </a:effectRef>
-          <a:fontRef idx="minor">
-            <a:schemeClr val="lt1"/>
-          </a:fontRef>
-        </p:style>
-        <p:txBody>
-          <a:bodyPr rtlCol="0" anchor="ctr"/>
-          <a:lstStyle/>
-          <a:p>
-            <a:pPr algn="ctr"/>
-            <a:endParaRPr lang="fr-FR"/>
-          </a:p>
-        </p:txBody>
-      </p:sp>
+      </p:pic>
     </p:spTree>
     <p:extLst>
       <p:ext uri="{BB962C8B-B14F-4D97-AF65-F5344CB8AC3E}">
